--- a/故障诊断/论文/总结.pptx
+++ b/故障诊断/论文/总结.pptx
@@ -5,7 +5,7 @@
     <p:sldMasterId id="2147483660" r:id="rId1"/>
   </p:sldMasterIdLst>
   <p:notesMasterIdLst>
-    <p:notesMasterId r:id="rId11"/>
+    <p:notesMasterId r:id="rId13"/>
   </p:notesMasterIdLst>
   <p:sldIdLst>
     <p:sldId id="256" r:id="rId2"/>
@@ -17,6 +17,8 @@
     <p:sldId id="264" r:id="rId8"/>
     <p:sldId id="265" r:id="rId9"/>
     <p:sldId id="266" r:id="rId10"/>
+    <p:sldId id="267" r:id="rId11"/>
+    <p:sldId id="268" r:id="rId12"/>
   </p:sldIdLst>
   <p:sldSz cx="12192000" cy="6858000"/>
   <p:notesSz cx="6858000" cy="9144000"/>
@@ -205,7 +207,7 @@
           <a:p>
             <a:fld id="{55B50122-BA83-4F4D-9669-3D3A808DC3BA}" type="datetimeFigureOut">
               <a:rPr lang="zh-CN" altLang="en-US" smtClean="0"/>
-              <a:t>2019/9/21</a:t>
+              <a:t>2019/9/23</a:t>
             </a:fld>
             <a:endParaRPr lang="zh-CN" altLang="en-US"/>
           </a:p>
@@ -900,6 +902,94 @@
     <p:extLst>
       <p:ext uri="{BB962C8B-B14F-4D97-AF65-F5344CB8AC3E}">
         <p14:creationId xmlns:p14="http://schemas.microsoft.com/office/powerpoint/2010/main" val="1582397211"/>
+      </p:ext>
+    </p:extLst>
+  </p:cSld>
+  <p:clrMapOvr>
+    <a:masterClrMapping/>
+  </p:clrMapOvr>
+</p:notes>
+</file>
+
+<file path=ppt/notesSlides/notesSlide6.xml><?xml version="1.0" encoding="utf-8"?>
+<p:notes xmlns:a="http://schemas.openxmlformats.org/drawingml/2006/main" xmlns:r="http://schemas.openxmlformats.org/officeDocument/2006/relationships" xmlns:p="http://schemas.openxmlformats.org/presentationml/2006/main">
+  <p:cSld>
+    <p:spTree>
+      <p:nvGrpSpPr>
+        <p:cNvPr id="1" name=""/>
+        <p:cNvGrpSpPr/>
+        <p:nvPr/>
+      </p:nvGrpSpPr>
+      <p:grpSpPr>
+        <a:xfrm>
+          <a:off x="0" y="0"/>
+          <a:ext cx="0" cy="0"/>
+          <a:chOff x="0" y="0"/>
+          <a:chExt cx="0" cy="0"/>
+        </a:xfrm>
+      </p:grpSpPr>
+      <p:sp>
+        <p:nvSpPr>
+          <p:cNvPr id="2" name="幻灯片图像占位符 1"/>
+          <p:cNvSpPr>
+            <a:spLocks noGrp="1" noRot="1" noChangeAspect="1"/>
+          </p:cNvSpPr>
+          <p:nvPr>
+            <p:ph type="sldImg"/>
+          </p:nvPr>
+        </p:nvSpPr>
+        <p:spPr/>
+      </p:sp>
+      <p:sp>
+        <p:nvSpPr>
+          <p:cNvPr id="3" name="备注占位符 2"/>
+          <p:cNvSpPr>
+            <a:spLocks noGrp="1"/>
+          </p:cNvSpPr>
+          <p:nvPr>
+            <p:ph type="body" idx="1"/>
+          </p:nvPr>
+        </p:nvSpPr>
+        <p:spPr/>
+        <p:txBody>
+          <a:bodyPr/>
+          <a:lstStyle/>
+          <a:p>
+            <a:r>
+              <a:rPr lang="zh-CN" altLang="en-US" dirty="0" smtClean="0"/>
+              <a:t>故障分类问题 </a:t>
+            </a:r>
+            <a:endParaRPr lang="zh-CN" altLang="en-US" dirty="0"/>
+          </a:p>
+        </p:txBody>
+      </p:sp>
+      <p:sp>
+        <p:nvSpPr>
+          <p:cNvPr id="4" name="灯片编号占位符 3"/>
+          <p:cNvSpPr>
+            <a:spLocks noGrp="1"/>
+          </p:cNvSpPr>
+          <p:nvPr>
+            <p:ph type="sldNum" sz="quarter" idx="10"/>
+          </p:nvPr>
+        </p:nvSpPr>
+        <p:spPr/>
+        <p:txBody>
+          <a:bodyPr/>
+          <a:lstStyle/>
+          <a:p>
+            <a:fld id="{0A06CBF8-E313-4B7B-95AB-7D320318AA85}" type="slidenum">
+              <a:rPr lang="zh-CN" altLang="en-US" smtClean="0"/>
+              <a:t>11</a:t>
+            </a:fld>
+            <a:endParaRPr lang="zh-CN" altLang="en-US"/>
+          </a:p>
+        </p:txBody>
+      </p:sp>
+    </p:spTree>
+    <p:extLst>
+      <p:ext uri="{BB962C8B-B14F-4D97-AF65-F5344CB8AC3E}">
+        <p14:creationId xmlns:p14="http://schemas.microsoft.com/office/powerpoint/2010/main" val="1710894446"/>
       </p:ext>
     </p:extLst>
   </p:cSld>
@@ -1631,7 +1721,7 @@
           <a:p>
             <a:fld id="{CCC5CEB8-A6EF-4DE4-B0E8-231667323648}" type="datetimeFigureOut">
               <a:rPr lang="zh-CN" altLang="en-US" smtClean="0"/>
-              <a:t>2019/9/21</a:t>
+              <a:t>2019/9/23</a:t>
             </a:fld>
             <a:endParaRPr lang="zh-CN" altLang="en-US"/>
           </a:p>
@@ -1882,7 +1972,7 @@
           <a:p>
             <a:fld id="{CCC5CEB8-A6EF-4DE4-B0E8-231667323648}" type="datetimeFigureOut">
               <a:rPr lang="zh-CN" altLang="en-US" smtClean="0"/>
-              <a:t>2019/9/21</a:t>
+              <a:t>2019/9/23</a:t>
             </a:fld>
             <a:endParaRPr lang="zh-CN" altLang="en-US"/>
           </a:p>
@@ -2196,7 +2286,7 @@
           <a:p>
             <a:fld id="{CCC5CEB8-A6EF-4DE4-B0E8-231667323648}" type="datetimeFigureOut">
               <a:rPr lang="zh-CN" altLang="en-US" smtClean="0"/>
-              <a:t>2019/9/21</a:t>
+              <a:t>2019/9/23</a:t>
             </a:fld>
             <a:endParaRPr lang="zh-CN" altLang="en-US"/>
           </a:p>
@@ -2537,7 +2627,7 @@
           <a:p>
             <a:fld id="{CCC5CEB8-A6EF-4DE4-B0E8-231667323648}" type="datetimeFigureOut">
               <a:rPr lang="zh-CN" altLang="en-US" smtClean="0"/>
-              <a:t>2019/9/21</a:t>
+              <a:t>2019/9/23</a:t>
             </a:fld>
             <a:endParaRPr lang="zh-CN" altLang="en-US"/>
           </a:p>
@@ -2851,7 +2941,7 @@
           <a:p>
             <a:fld id="{CCC5CEB8-A6EF-4DE4-B0E8-231667323648}" type="datetimeFigureOut">
               <a:rPr lang="zh-CN" altLang="en-US" smtClean="0"/>
-              <a:t>2019/9/21</a:t>
+              <a:t>2019/9/23</a:t>
             </a:fld>
             <a:endParaRPr lang="zh-CN" altLang="en-US"/>
           </a:p>
@@ -3244,7 +3334,7 @@
           <a:p>
             <a:fld id="{CCC5CEB8-A6EF-4DE4-B0E8-231667323648}" type="datetimeFigureOut">
               <a:rPr lang="zh-CN" altLang="en-US" smtClean="0"/>
-              <a:t>2019/9/21</a:t>
+              <a:t>2019/9/23</a:t>
             </a:fld>
             <a:endParaRPr lang="zh-CN" altLang="en-US"/>
           </a:p>
@@ -3414,7 +3504,7 @@
           <a:p>
             <a:fld id="{CCC5CEB8-A6EF-4DE4-B0E8-231667323648}" type="datetimeFigureOut">
               <a:rPr lang="zh-CN" altLang="en-US" smtClean="0"/>
-              <a:t>2019/9/21</a:t>
+              <a:t>2019/9/23</a:t>
             </a:fld>
             <a:endParaRPr lang="zh-CN" altLang="en-US"/>
           </a:p>
@@ -3594,7 +3684,7 @@
           <a:p>
             <a:fld id="{CCC5CEB8-A6EF-4DE4-B0E8-231667323648}" type="datetimeFigureOut">
               <a:rPr lang="zh-CN" altLang="en-US" smtClean="0"/>
-              <a:t>2019/9/21</a:t>
+              <a:t>2019/9/23</a:t>
             </a:fld>
             <a:endParaRPr lang="zh-CN" altLang="en-US"/>
           </a:p>
@@ -3770,7 +3860,7 @@
           <a:p>
             <a:fld id="{CCC5CEB8-A6EF-4DE4-B0E8-231667323648}" type="datetimeFigureOut">
               <a:rPr lang="zh-CN" altLang="en-US" smtClean="0"/>
-              <a:t>2019/9/21</a:t>
+              <a:t>2019/9/23</a:t>
             </a:fld>
             <a:endParaRPr lang="zh-CN" altLang="en-US"/>
           </a:p>
@@ -4017,7 +4107,7 @@
           <a:p>
             <a:fld id="{CCC5CEB8-A6EF-4DE4-B0E8-231667323648}" type="datetimeFigureOut">
               <a:rPr lang="zh-CN" altLang="en-US" smtClean="0"/>
-              <a:t>2019/9/21</a:t>
+              <a:t>2019/9/23</a:t>
             </a:fld>
             <a:endParaRPr lang="zh-CN" altLang="en-US"/>
           </a:p>
@@ -4249,7 +4339,7 @@
           <a:p>
             <a:fld id="{CCC5CEB8-A6EF-4DE4-B0E8-231667323648}" type="datetimeFigureOut">
               <a:rPr lang="zh-CN" altLang="en-US" smtClean="0"/>
-              <a:t>2019/9/21</a:t>
+              <a:t>2019/9/23</a:t>
             </a:fld>
             <a:endParaRPr lang="zh-CN" altLang="en-US"/>
           </a:p>
@@ -4623,7 +4713,7 @@
           <a:p>
             <a:fld id="{CCC5CEB8-A6EF-4DE4-B0E8-231667323648}" type="datetimeFigureOut">
               <a:rPr lang="zh-CN" altLang="en-US" smtClean="0"/>
-              <a:t>2019/9/21</a:t>
+              <a:t>2019/9/23</a:t>
             </a:fld>
             <a:endParaRPr lang="zh-CN" altLang="en-US"/>
           </a:p>
@@ -4746,7 +4836,7 @@
           <a:p>
             <a:fld id="{CCC5CEB8-A6EF-4DE4-B0E8-231667323648}" type="datetimeFigureOut">
               <a:rPr lang="zh-CN" altLang="en-US" smtClean="0"/>
-              <a:t>2019/9/21</a:t>
+              <a:t>2019/9/23</a:t>
             </a:fld>
             <a:endParaRPr lang="zh-CN" altLang="en-US"/>
           </a:p>
@@ -4841,7 +4931,7 @@
           <a:p>
             <a:fld id="{CCC5CEB8-A6EF-4DE4-B0E8-231667323648}" type="datetimeFigureOut">
               <a:rPr lang="zh-CN" altLang="en-US" smtClean="0"/>
-              <a:t>2019/9/21</a:t>
+              <a:t>2019/9/23</a:t>
             </a:fld>
             <a:endParaRPr lang="zh-CN" altLang="en-US"/>
           </a:p>
@@ -5096,7 +5186,7 @@
           <a:p>
             <a:fld id="{CCC5CEB8-A6EF-4DE4-B0E8-231667323648}" type="datetimeFigureOut">
               <a:rPr lang="zh-CN" altLang="en-US" smtClean="0"/>
-              <a:t>2019/9/21</a:t>
+              <a:t>2019/9/23</a:t>
             </a:fld>
             <a:endParaRPr lang="zh-CN" altLang="en-US"/>
           </a:p>
@@ -5359,7 +5449,7 @@
           <a:p>
             <a:fld id="{CCC5CEB8-A6EF-4DE4-B0E8-231667323648}" type="datetimeFigureOut">
               <a:rPr lang="zh-CN" altLang="en-US" smtClean="0"/>
-              <a:t>2019/9/21</a:t>
+              <a:t>2019/9/23</a:t>
             </a:fld>
             <a:endParaRPr lang="zh-CN" altLang="en-US"/>
           </a:p>
@@ -6102,7 +6192,7 @@
           <a:p>
             <a:fld id="{CCC5CEB8-A6EF-4DE4-B0E8-231667323648}" type="datetimeFigureOut">
               <a:rPr lang="zh-CN" altLang="en-US" smtClean="0"/>
-              <a:t>2019/9/21</a:t>
+              <a:t>2019/9/23</a:t>
             </a:fld>
             <a:endParaRPr lang="zh-CN" altLang="en-US"/>
           </a:p>
@@ -7011,6 +7101,992 @@
 </p:sld>
 </file>
 
+<file path=ppt/slides/slide10.xml><?xml version="1.0" encoding="utf-8"?>
+<p:sld xmlns:a="http://schemas.openxmlformats.org/drawingml/2006/main" xmlns:r="http://schemas.openxmlformats.org/officeDocument/2006/relationships" xmlns:p="http://schemas.openxmlformats.org/presentationml/2006/main">
+  <p:cSld>
+    <p:spTree>
+      <p:nvGrpSpPr>
+        <p:cNvPr id="1" name=""/>
+        <p:cNvGrpSpPr/>
+        <p:nvPr/>
+      </p:nvGrpSpPr>
+      <p:grpSpPr>
+        <a:xfrm>
+          <a:off x="0" y="0"/>
+          <a:ext cx="0" cy="0"/>
+          <a:chOff x="0" y="0"/>
+          <a:chExt cx="0" cy="0"/>
+        </a:xfrm>
+      </p:grpSpPr>
+      <p:sp>
+        <p:nvSpPr>
+          <p:cNvPr id="2" name="标题 1"/>
+          <p:cNvSpPr>
+            <a:spLocks noGrp="1"/>
+          </p:cNvSpPr>
+          <p:nvPr>
+            <p:ph type="ctrTitle"/>
+          </p:nvPr>
+        </p:nvSpPr>
+        <p:spPr>
+          <a:xfrm>
+            <a:off x="737377" y="349096"/>
+            <a:ext cx="10074399" cy="6508904"/>
+          </a:xfrm>
+        </p:spPr>
+        <p:txBody>
+          <a:bodyPr/>
+          <a:lstStyle/>
+          <a:p>
+            <a:pPr algn="l"/>
+            <a:r>
+              <a:rPr lang="en-US" altLang="zh-CN" sz="2800" dirty="0">
+                <a:solidFill>
+                  <a:schemeClr val="tx2"/>
+                </a:solidFill>
+              </a:rPr>
+              <a:t>t</a:t>
+            </a:r>
+            <a:r>
+              <a:rPr lang="en-US" altLang="zh-CN" sz="2800" dirty="0" smtClean="0">
+                <a:solidFill>
+                  <a:schemeClr val="tx2"/>
+                </a:solidFill>
+              </a:rPr>
+              <a:t>itle</a:t>
+            </a:r>
+            <a:r>
+              <a:rPr lang="zh-CN" altLang="en-US" sz="2800" dirty="0" smtClean="0">
+                <a:solidFill>
+                  <a:schemeClr val="tx2"/>
+                </a:solidFill>
+              </a:rPr>
+              <a:t>：</a:t>
+            </a:r>
+            <a:r>
+              <a:rPr lang="en-US" altLang="zh-CN" sz="2800" dirty="0">
+                <a:solidFill>
+                  <a:schemeClr val="tx2"/>
+                </a:solidFill>
+              </a:rPr>
+              <a:t>A Deep Learning Method for Bearing Fault Diagnosis Based on Time-Frequency Image</a:t>
+            </a:r>
+            <a:r>
+              <a:rPr lang="en-US" altLang="zh-CN" sz="2800" dirty="0" smtClean="0">
+                <a:solidFill>
+                  <a:schemeClr val="tx2"/>
+                </a:solidFill>
+              </a:rPr>
+              <a:t/>
+            </a:r>
+            <a:br>
+              <a:rPr lang="en-US" altLang="zh-CN" sz="2800" dirty="0" smtClean="0">
+                <a:solidFill>
+                  <a:schemeClr val="tx2"/>
+                </a:solidFill>
+              </a:rPr>
+            </a:br>
+            <a:r>
+              <a:rPr lang="en-US" altLang="zh-CN" sz="2800" dirty="0">
+                <a:solidFill>
+                  <a:schemeClr val="tx2"/>
+                </a:solidFill>
+              </a:rPr>
+              <a:t/>
+            </a:r>
+            <a:br>
+              <a:rPr lang="en-US" altLang="zh-CN" sz="2800" dirty="0">
+                <a:solidFill>
+                  <a:schemeClr val="tx2"/>
+                </a:solidFill>
+              </a:rPr>
+            </a:br>
+            <a:r>
+              <a:rPr lang="en-US" altLang="zh-CN" sz="2800" dirty="0" smtClean="0">
+                <a:solidFill>
+                  <a:schemeClr val="tx2"/>
+                </a:solidFill>
+              </a:rPr>
+              <a:t>author</a:t>
+            </a:r>
+            <a:r>
+              <a:rPr lang="zh-CN" altLang="en-US" sz="2800" dirty="0" smtClean="0">
+                <a:solidFill>
+                  <a:schemeClr val="tx2"/>
+                </a:solidFill>
+              </a:rPr>
+              <a:t>：</a:t>
+            </a:r>
+            <a:r>
+              <a:rPr lang="en-US" altLang="zh-CN" sz="2800" dirty="0">
+                <a:solidFill>
+                  <a:schemeClr val="tx2"/>
+                </a:solidFill>
+              </a:rPr>
+              <a:t>JIANYU WANG , ZHENLING MO</a:t>
+            </a:r>
+            <a:r>
+              <a:rPr lang="en-US" altLang="zh-CN" sz="2800" dirty="0" smtClean="0">
+                <a:solidFill>
+                  <a:schemeClr val="tx2"/>
+                </a:solidFill>
+              </a:rPr>
+              <a:t/>
+            </a:r>
+            <a:br>
+              <a:rPr lang="en-US" altLang="zh-CN" sz="2800" dirty="0" smtClean="0">
+                <a:solidFill>
+                  <a:schemeClr val="tx2"/>
+                </a:solidFill>
+              </a:rPr>
+            </a:br>
+            <a:r>
+              <a:rPr lang="en-US" altLang="zh-CN" sz="2800" dirty="0" smtClean="0">
+                <a:solidFill>
+                  <a:schemeClr val="tx2"/>
+                </a:solidFill>
+              </a:rPr>
+              <a:t/>
+            </a:r>
+            <a:br>
+              <a:rPr lang="en-US" altLang="zh-CN" sz="2800" dirty="0" smtClean="0">
+                <a:solidFill>
+                  <a:schemeClr val="tx2"/>
+                </a:solidFill>
+              </a:rPr>
+            </a:br>
+            <a:r>
+              <a:rPr lang="en-US" altLang="zh-CN" sz="2800" dirty="0" smtClean="0">
+                <a:solidFill>
+                  <a:schemeClr val="tx2"/>
+                </a:solidFill>
+              </a:rPr>
+              <a:t>from</a:t>
+            </a:r>
+            <a:r>
+              <a:rPr lang="zh-CN" altLang="en-US" sz="2800" dirty="0" smtClean="0">
+                <a:solidFill>
+                  <a:schemeClr val="tx2"/>
+                </a:solidFill>
+              </a:rPr>
+              <a:t>：</a:t>
+            </a:r>
+            <a:r>
+              <a:rPr lang="en-US" altLang="zh-CN" sz="2800" dirty="0">
+                <a:solidFill>
+                  <a:schemeClr val="tx2"/>
+                </a:solidFill>
+              </a:rPr>
+              <a:t>Center of Aerospace of Information Processing and Application, School of Aeronautics and Astronautics, Sichuan University</a:t>
+            </a:r>
+            <a:br>
+              <a:rPr lang="en-US" altLang="zh-CN" sz="2800" dirty="0">
+                <a:solidFill>
+                  <a:schemeClr val="tx2"/>
+                </a:solidFill>
+              </a:rPr>
+            </a:br>
+            <a:r>
+              <a:rPr lang="en-US" altLang="zh-CN" sz="2800" dirty="0" smtClean="0">
+                <a:solidFill>
+                  <a:schemeClr val="tx2"/>
+                </a:solidFill>
+              </a:rPr>
+              <a:t/>
+            </a:r>
+            <a:br>
+              <a:rPr lang="en-US" altLang="zh-CN" sz="2800" dirty="0" smtClean="0">
+                <a:solidFill>
+                  <a:schemeClr val="tx2"/>
+                </a:solidFill>
+              </a:rPr>
+            </a:br>
+            <a:r>
+              <a:rPr lang="en-US" altLang="zh-CN" sz="2800" dirty="0" smtClean="0">
+                <a:solidFill>
+                  <a:schemeClr val="tx2"/>
+                </a:solidFill>
+              </a:rPr>
+              <a:t>level</a:t>
+            </a:r>
+            <a:r>
+              <a:rPr lang="zh-CN" altLang="en-US" sz="2800" dirty="0" smtClean="0">
+                <a:solidFill>
+                  <a:schemeClr val="tx2"/>
+                </a:solidFill>
+              </a:rPr>
+              <a:t>：</a:t>
+            </a:r>
+            <a:r>
+              <a:rPr lang="en-US" altLang="zh-CN" sz="2800" dirty="0" smtClean="0">
+                <a:solidFill>
+                  <a:schemeClr val="tx2"/>
+                </a:solidFill>
+              </a:rPr>
+              <a:t>2018 </a:t>
+            </a:r>
+            <a:r>
+              <a:rPr lang="en-US" altLang="zh-CN" sz="2800" dirty="0">
+                <a:solidFill>
+                  <a:schemeClr val="tx2"/>
+                </a:solidFill>
+              </a:rPr>
+              <a:t>International Conference on Smart Communications in Network Technologies (</a:t>
+            </a:r>
+            <a:r>
+              <a:rPr lang="en-US" altLang="zh-CN" sz="2800" dirty="0" err="1">
+                <a:solidFill>
+                  <a:schemeClr val="tx2"/>
+                </a:solidFill>
+              </a:rPr>
+              <a:t>SaCoNeT</a:t>
+            </a:r>
+            <a:r>
+              <a:rPr lang="en-US" altLang="zh-CN" sz="2800" dirty="0">
+                <a:solidFill>
+                  <a:schemeClr val="tx2"/>
+                </a:solidFill>
+              </a:rPr>
+              <a:t>)</a:t>
+            </a:r>
+            <a:r>
+              <a:rPr lang="zh-CN" altLang="en-US" sz="2800" dirty="0" smtClean="0">
+                <a:solidFill>
+                  <a:schemeClr val="tx2"/>
+                </a:solidFill>
+              </a:rPr>
+              <a:t>（</a:t>
+            </a:r>
+            <a:r>
+              <a:rPr lang="en-US" altLang="zh-CN" sz="2800" dirty="0" smtClean="0">
+                <a:solidFill>
+                  <a:schemeClr val="tx2"/>
+                </a:solidFill>
+              </a:rPr>
+              <a:t>EI</a:t>
+            </a:r>
+            <a:r>
+              <a:rPr lang="zh-CN" altLang="en-US" sz="2800" dirty="0" smtClean="0">
+                <a:solidFill>
+                  <a:schemeClr val="tx2"/>
+                </a:solidFill>
+              </a:rPr>
+              <a:t>会议）</a:t>
+            </a:r>
+            <a:r>
+              <a:rPr lang="en-US" altLang="zh-CN" sz="2800" dirty="0" smtClean="0">
+                <a:solidFill>
+                  <a:schemeClr val="tx2"/>
+                </a:solidFill>
+              </a:rPr>
+              <a:t/>
+            </a:r>
+            <a:br>
+              <a:rPr lang="en-US" altLang="zh-CN" sz="2800" dirty="0" smtClean="0">
+                <a:solidFill>
+                  <a:schemeClr val="tx2"/>
+                </a:solidFill>
+              </a:rPr>
+            </a:br>
+            <a:r>
+              <a:rPr lang="zh-CN" altLang="en-US" sz="2800" dirty="0" smtClean="0">
+                <a:solidFill>
+                  <a:schemeClr val="tx2"/>
+                </a:solidFill>
+              </a:rPr>
+              <a:t>同时被</a:t>
+            </a:r>
+            <a:r>
+              <a:rPr lang="en-US" altLang="zh-CN" sz="2800" dirty="0" smtClean="0">
+                <a:solidFill>
+                  <a:schemeClr val="tx2"/>
+                </a:solidFill>
+              </a:rPr>
+              <a:t>IEEE ACCESS</a:t>
+            </a:r>
+            <a:r>
+              <a:rPr lang="zh-CN" altLang="en-US" sz="2800" dirty="0" smtClean="0">
+                <a:solidFill>
+                  <a:schemeClr val="tx2"/>
+                </a:solidFill>
+              </a:rPr>
+              <a:t>（</a:t>
+            </a:r>
+            <a:r>
+              <a:rPr lang="en-US" altLang="zh-CN" sz="2800" dirty="0" smtClean="0">
+                <a:solidFill>
+                  <a:schemeClr val="tx2"/>
+                </a:solidFill>
+              </a:rPr>
+              <a:t>SCI 2</a:t>
+            </a:r>
+            <a:r>
+              <a:rPr lang="zh-CN" altLang="en-US" sz="2800" dirty="0" smtClean="0">
+                <a:solidFill>
+                  <a:schemeClr val="tx2"/>
+                </a:solidFill>
+              </a:rPr>
+              <a:t>）</a:t>
+            </a:r>
+            <a:r>
+              <a:rPr lang="en-US" altLang="zh-CN" sz="2800" dirty="0" smtClean="0">
+                <a:solidFill>
+                  <a:schemeClr val="tx2"/>
+                </a:solidFill>
+              </a:rPr>
+              <a:t/>
+            </a:r>
+            <a:br>
+              <a:rPr lang="en-US" altLang="zh-CN" sz="2800" dirty="0" smtClean="0">
+                <a:solidFill>
+                  <a:schemeClr val="tx2"/>
+                </a:solidFill>
+              </a:rPr>
+            </a:br>
+            <a:r>
+              <a:rPr lang="en-US" altLang="zh-CN" sz="2800" dirty="0">
+                <a:solidFill>
+                  <a:schemeClr val="tx2"/>
+                </a:solidFill>
+              </a:rPr>
+              <a:t/>
+            </a:r>
+            <a:br>
+              <a:rPr lang="en-US" altLang="zh-CN" sz="2800" dirty="0">
+                <a:solidFill>
+                  <a:schemeClr val="tx2"/>
+                </a:solidFill>
+              </a:rPr>
+            </a:br>
+            <a:r>
+              <a:rPr lang="en-US" altLang="zh-CN" sz="2800" dirty="0" smtClean="0">
+                <a:solidFill>
+                  <a:schemeClr val="tx2"/>
+                </a:solidFill>
+              </a:rPr>
+              <a:t>IF</a:t>
+            </a:r>
+            <a:r>
+              <a:rPr lang="zh-CN" altLang="en-US" sz="2800" dirty="0" smtClean="0">
+                <a:solidFill>
+                  <a:schemeClr val="tx2"/>
+                </a:solidFill>
+              </a:rPr>
+              <a:t>：</a:t>
+            </a:r>
+            <a:r>
+              <a:rPr lang="en-US" altLang="zh-CN" sz="2800" dirty="0">
+                <a:solidFill>
+                  <a:schemeClr val="tx2"/>
+                </a:solidFill>
+              </a:rPr>
+              <a:t>4.098</a:t>
+            </a:r>
+            <a:r>
+              <a:rPr lang="en-US" altLang="zh-CN" sz="2800" dirty="0" smtClean="0">
+                <a:solidFill>
+                  <a:schemeClr val="tx2"/>
+                </a:solidFill>
+              </a:rPr>
+              <a:t/>
+            </a:r>
+            <a:br>
+              <a:rPr lang="en-US" altLang="zh-CN" sz="2800" dirty="0" smtClean="0">
+                <a:solidFill>
+                  <a:schemeClr val="tx2"/>
+                </a:solidFill>
+              </a:rPr>
+            </a:br>
+            <a:endParaRPr lang="zh-CN" altLang="en-US" sz="2800" dirty="0">
+              <a:solidFill>
+                <a:schemeClr val="tx2"/>
+              </a:solidFill>
+            </a:endParaRPr>
+          </a:p>
+        </p:txBody>
+      </p:sp>
+    </p:spTree>
+    <p:extLst>
+      <p:ext uri="{BB962C8B-B14F-4D97-AF65-F5344CB8AC3E}">
+        <p14:creationId xmlns:p14="http://schemas.microsoft.com/office/powerpoint/2010/main" val="3140452287"/>
+      </p:ext>
+    </p:extLst>
+  </p:cSld>
+  <p:clrMapOvr>
+    <a:masterClrMapping/>
+  </p:clrMapOvr>
+  <p:timing>
+    <p:tnLst>
+      <p:par>
+        <p:cTn id="1" dur="indefinite" restart="never" nodeType="tmRoot"/>
+      </p:par>
+    </p:tnLst>
+  </p:timing>
+</p:sld>
+</file>
+
+<file path=ppt/slides/slide11.xml><?xml version="1.0" encoding="utf-8"?>
+<p:sld xmlns:a="http://schemas.openxmlformats.org/drawingml/2006/main" xmlns:r="http://schemas.openxmlformats.org/officeDocument/2006/relationships" xmlns:p="http://schemas.openxmlformats.org/presentationml/2006/main">
+  <p:cSld>
+    <p:spTree>
+      <p:nvGrpSpPr>
+        <p:cNvPr id="1" name=""/>
+        <p:cNvGrpSpPr/>
+        <p:nvPr/>
+      </p:nvGrpSpPr>
+      <p:grpSpPr>
+        <a:xfrm>
+          <a:off x="0" y="0"/>
+          <a:ext cx="0" cy="0"/>
+          <a:chOff x="0" y="0"/>
+          <a:chExt cx="0" cy="0"/>
+        </a:xfrm>
+      </p:grpSpPr>
+      <p:sp>
+        <p:nvSpPr>
+          <p:cNvPr id="2" name="标题 1"/>
+          <p:cNvSpPr>
+            <a:spLocks noGrp="1"/>
+          </p:cNvSpPr>
+          <p:nvPr>
+            <p:ph type="ctrTitle"/>
+          </p:nvPr>
+        </p:nvSpPr>
+        <p:spPr>
+          <a:xfrm>
+            <a:off x="807366" y="688063"/>
+            <a:ext cx="8532578" cy="6038661"/>
+          </a:xfrm>
+        </p:spPr>
+        <p:txBody>
+          <a:bodyPr anchor="t"/>
+          <a:lstStyle/>
+          <a:p>
+            <a:pPr algn="l"/>
+            <a:r>
+              <a:rPr lang="zh-CN" altLang="en-US" sz="2000" dirty="0" smtClean="0">
+                <a:solidFill>
+                  <a:schemeClr val="tx2"/>
+                </a:solidFill>
+                <a:latin typeface="宋体" panose="02010600030101010101" pitchFamily="2" charset="-122"/>
+                <a:ea typeface="宋体" panose="02010600030101010101" pitchFamily="2" charset="-122"/>
+              </a:rPr>
+              <a:t>作者应用了迁移学习，迁移了</a:t>
+            </a:r>
+            <a:r>
+              <a:rPr lang="en-US" altLang="zh-CN" sz="2000" dirty="0" err="1" smtClean="0">
+                <a:solidFill>
+                  <a:schemeClr val="tx2"/>
+                </a:solidFill>
+                <a:latin typeface="宋体" panose="02010600030101010101" pitchFamily="2" charset="-122"/>
+                <a:ea typeface="宋体" panose="02010600030101010101" pitchFamily="2" charset="-122"/>
+              </a:rPr>
+              <a:t>Alexnet</a:t>
+            </a:r>
+            <a:r>
+              <a:rPr lang="zh-CN" altLang="en-US" sz="2000" dirty="0" smtClean="0">
+                <a:solidFill>
+                  <a:schemeClr val="tx2"/>
+                </a:solidFill>
+                <a:latin typeface="宋体" panose="02010600030101010101" pitchFamily="2" charset="-122"/>
+                <a:ea typeface="宋体" panose="02010600030101010101" pitchFamily="2" charset="-122"/>
+              </a:rPr>
+              <a:t>模型用于轴承故障诊断领域，通过迁移学习，只需要更改并训练网络的全连接层，这极大地减少了训练的时间。</a:t>
+            </a:r>
+            <a:r>
+              <a:rPr lang="en-US" altLang="zh-CN" sz="2000" dirty="0" smtClean="0">
+                <a:solidFill>
+                  <a:schemeClr val="tx2"/>
+                </a:solidFill>
+                <a:latin typeface="宋体" panose="02010600030101010101" pitchFamily="2" charset="-122"/>
+                <a:ea typeface="宋体" panose="02010600030101010101" pitchFamily="2" charset="-122"/>
+              </a:rPr>
+              <a:t/>
+            </a:r>
+            <a:br>
+              <a:rPr lang="en-US" altLang="zh-CN" sz="2000" dirty="0" smtClean="0">
+                <a:solidFill>
+                  <a:schemeClr val="tx2"/>
+                </a:solidFill>
+                <a:latin typeface="宋体" panose="02010600030101010101" pitchFamily="2" charset="-122"/>
+                <a:ea typeface="宋体" panose="02010600030101010101" pitchFamily="2" charset="-122"/>
+              </a:rPr>
+            </a:br>
+            <a:r>
+              <a:rPr lang="en-US" altLang="zh-CN" sz="2000" dirty="0" smtClean="0">
+                <a:solidFill>
+                  <a:schemeClr val="tx2"/>
+                </a:solidFill>
+                <a:latin typeface="宋体" panose="02010600030101010101" pitchFamily="2" charset="-122"/>
+                <a:ea typeface="宋体" panose="02010600030101010101" pitchFamily="2" charset="-122"/>
+              </a:rPr>
+              <a:t/>
+            </a:r>
+            <a:br>
+              <a:rPr lang="en-US" altLang="zh-CN" sz="2000" dirty="0" smtClean="0">
+                <a:solidFill>
+                  <a:schemeClr val="tx2"/>
+                </a:solidFill>
+                <a:latin typeface="宋体" panose="02010600030101010101" pitchFamily="2" charset="-122"/>
+                <a:ea typeface="宋体" panose="02010600030101010101" pitchFamily="2" charset="-122"/>
+              </a:rPr>
+            </a:br>
+            <a:r>
+              <a:rPr lang="en-US" altLang="zh-CN" sz="2000" dirty="0">
+                <a:solidFill>
+                  <a:schemeClr val="tx2"/>
+                </a:solidFill>
+                <a:latin typeface="宋体" panose="02010600030101010101" pitchFamily="2" charset="-122"/>
+                <a:ea typeface="宋体" panose="02010600030101010101" pitchFamily="2" charset="-122"/>
+              </a:rPr>
+              <a:t/>
+            </a:r>
+            <a:br>
+              <a:rPr lang="en-US" altLang="zh-CN" sz="2000" dirty="0">
+                <a:solidFill>
+                  <a:schemeClr val="tx2"/>
+                </a:solidFill>
+                <a:latin typeface="宋体" panose="02010600030101010101" pitchFamily="2" charset="-122"/>
+                <a:ea typeface="宋体" panose="02010600030101010101" pitchFamily="2" charset="-122"/>
+              </a:rPr>
+            </a:br>
+            <a:r>
+              <a:rPr lang="zh-CN" altLang="en-US" sz="2000" dirty="0" smtClean="0">
+                <a:solidFill>
+                  <a:schemeClr val="tx2"/>
+                </a:solidFill>
+                <a:latin typeface="宋体" panose="02010600030101010101" pitchFamily="2" charset="-122"/>
+                <a:ea typeface="宋体" panose="02010600030101010101" pitchFamily="2" charset="-122"/>
+              </a:rPr>
+              <a:t>作者</a:t>
+            </a:r>
+            <a:r>
+              <a:rPr lang="zh-CN" altLang="en-US" sz="2000" dirty="0" smtClean="0">
+                <a:solidFill>
+                  <a:schemeClr val="tx2"/>
+                </a:solidFill>
+                <a:latin typeface="宋体" panose="02010600030101010101" pitchFamily="2" charset="-122"/>
+                <a:ea typeface="宋体" panose="02010600030101010101" pitchFamily="2" charset="-122"/>
+              </a:rPr>
+              <a:t>的四大</a:t>
+            </a:r>
+            <a:r>
+              <a:rPr lang="zh-CN" altLang="en-US" sz="2000" dirty="0" smtClean="0">
+                <a:solidFill>
+                  <a:schemeClr val="tx2"/>
+                </a:solidFill>
+                <a:latin typeface="宋体" panose="02010600030101010101" pitchFamily="2" charset="-122"/>
+                <a:ea typeface="宋体" panose="02010600030101010101" pitchFamily="2" charset="-122"/>
+              </a:rPr>
+              <a:t>贡献：使用</a:t>
+            </a:r>
+            <a:r>
+              <a:rPr lang="en-US" altLang="zh-CN" sz="2000" dirty="0" smtClean="0">
+                <a:solidFill>
+                  <a:schemeClr val="tx2"/>
+                </a:solidFill>
+                <a:latin typeface="宋体" panose="02010600030101010101" pitchFamily="2" charset="-122"/>
+                <a:ea typeface="宋体" panose="02010600030101010101" pitchFamily="2" charset="-122"/>
+              </a:rPr>
+              <a:t>8</a:t>
+            </a:r>
+            <a:r>
+              <a:rPr lang="zh-CN" altLang="en-US" sz="2000" dirty="0" smtClean="0">
+                <a:solidFill>
+                  <a:schemeClr val="tx2"/>
+                </a:solidFill>
+                <a:latin typeface="宋体" panose="02010600030101010101" pitchFamily="2" charset="-122"/>
+                <a:ea typeface="宋体" panose="02010600030101010101" pitchFamily="2" charset="-122"/>
+              </a:rPr>
+              <a:t>大时频分析技术将时域信号转为时频图像，证明了</a:t>
+            </a:r>
+            <a:r>
+              <a:rPr lang="en-US" altLang="zh-CN" sz="2000" dirty="0">
+                <a:solidFill>
+                  <a:schemeClr val="tx2"/>
+                </a:solidFill>
+                <a:latin typeface="宋体" panose="02010600030101010101" pitchFamily="2" charset="-122"/>
+                <a:ea typeface="宋体" panose="02010600030101010101" pitchFamily="2" charset="-122"/>
+              </a:rPr>
+              <a:t>CWT</a:t>
+            </a:r>
+            <a:r>
+              <a:rPr lang="zh-CN" altLang="en-US" sz="2000" dirty="0">
+                <a:solidFill>
+                  <a:schemeClr val="tx2"/>
+                </a:solidFill>
+                <a:latin typeface="宋体" panose="02010600030101010101" pitchFamily="2" charset="-122"/>
+                <a:ea typeface="宋体" panose="02010600030101010101" pitchFamily="2" charset="-122"/>
+              </a:rPr>
+              <a:t>和</a:t>
+            </a:r>
+            <a:r>
+              <a:rPr lang="en-US" altLang="zh-CN" sz="2000" dirty="0">
+                <a:solidFill>
+                  <a:schemeClr val="tx2"/>
+                </a:solidFill>
+                <a:latin typeface="宋体" panose="02010600030101010101" pitchFamily="2" charset="-122"/>
+                <a:ea typeface="宋体" panose="02010600030101010101" pitchFamily="2" charset="-122"/>
+              </a:rPr>
+              <a:t>FST</a:t>
+            </a:r>
+            <a:r>
+              <a:rPr lang="zh-CN" altLang="en-US" sz="2000" dirty="0" smtClean="0">
+                <a:solidFill>
+                  <a:schemeClr val="tx2"/>
+                </a:solidFill>
+                <a:latin typeface="宋体" panose="02010600030101010101" pitchFamily="2" charset="-122"/>
+                <a:ea typeface="宋体" panose="02010600030101010101" pitchFamily="2" charset="-122"/>
+              </a:rPr>
+              <a:t>时频分析技术在轴承故障诊断是更有效的，同时并分析了其他时频分析</a:t>
+            </a:r>
+            <a:r>
+              <a:rPr lang="zh-CN" altLang="en-US" sz="2000" dirty="0" smtClean="0">
+                <a:solidFill>
+                  <a:schemeClr val="tx2"/>
+                </a:solidFill>
+                <a:latin typeface="宋体" panose="02010600030101010101" pitchFamily="2" charset="-122"/>
+                <a:ea typeface="宋体" panose="02010600030101010101" pitchFamily="2" charset="-122"/>
+              </a:rPr>
+              <a:t>技术为什么</a:t>
+            </a:r>
+            <a:r>
+              <a:rPr lang="zh-CN" altLang="en-US" sz="2000" dirty="0" smtClean="0">
+                <a:solidFill>
+                  <a:schemeClr val="tx2"/>
+                </a:solidFill>
+                <a:latin typeface="宋体" panose="02010600030101010101" pitchFamily="2" charset="-122"/>
+                <a:ea typeface="宋体" panose="02010600030101010101" pitchFamily="2" charset="-122"/>
+              </a:rPr>
+              <a:t>不足；应用了迁移学习（迁移学习的应用和数据量和数据的相似度有关），极大地较少</a:t>
+            </a:r>
+            <a:r>
+              <a:rPr lang="zh-CN" altLang="en-US" sz="2000" dirty="0" smtClean="0">
+                <a:solidFill>
+                  <a:schemeClr val="tx2"/>
+                </a:solidFill>
+                <a:latin typeface="宋体" panose="02010600030101010101" pitchFamily="2" charset="-122"/>
+                <a:ea typeface="宋体" panose="02010600030101010101" pitchFamily="2" charset="-122"/>
+              </a:rPr>
+              <a:t>了训练的时间；迁移</a:t>
+            </a:r>
+            <a:r>
+              <a:rPr lang="zh-CN" altLang="en-US" sz="2000" dirty="0" smtClean="0">
+                <a:solidFill>
+                  <a:schemeClr val="tx2"/>
+                </a:solidFill>
+                <a:latin typeface="宋体" panose="02010600030101010101" pitchFamily="2" charset="-122"/>
+                <a:ea typeface="宋体" panose="02010600030101010101" pitchFamily="2" charset="-122"/>
+              </a:rPr>
+              <a:t>模型没有限制初始时域数据的</a:t>
+            </a:r>
+            <a:r>
+              <a:rPr lang="zh-CN" altLang="en-US" sz="2000" dirty="0">
+                <a:solidFill>
+                  <a:schemeClr val="tx2"/>
+                </a:solidFill>
+                <a:latin typeface="宋体" panose="02010600030101010101" pitchFamily="2" charset="-122"/>
+                <a:ea typeface="宋体" panose="02010600030101010101" pitchFamily="2" charset="-122"/>
+              </a:rPr>
+              <a:t>长度，可以将不同长度的原始数据转换成相同大小的</a:t>
+            </a:r>
+            <a:r>
+              <a:rPr lang="zh-CN" altLang="en-US" sz="2000" dirty="0" smtClean="0">
+                <a:solidFill>
+                  <a:schemeClr val="tx2"/>
+                </a:solidFill>
+                <a:latin typeface="宋体" panose="02010600030101010101" pitchFamily="2" charset="-122"/>
+                <a:ea typeface="宋体" panose="02010600030101010101" pitchFamily="2" charset="-122"/>
+              </a:rPr>
+              <a:t>图像（</a:t>
+            </a:r>
+            <a:r>
+              <a:rPr lang="en-US" altLang="zh-CN" sz="2000" dirty="0" smtClean="0">
+                <a:solidFill>
+                  <a:schemeClr val="tx2"/>
+                </a:solidFill>
+                <a:latin typeface="宋体" panose="02010600030101010101" pitchFamily="2" charset="-122"/>
+                <a:ea typeface="宋体" panose="02010600030101010101" pitchFamily="2" charset="-122"/>
+              </a:rPr>
+              <a:t>224*244*3</a:t>
+            </a:r>
+            <a:r>
+              <a:rPr lang="zh-CN" altLang="en-US" sz="2000" dirty="0" smtClean="0">
+                <a:solidFill>
+                  <a:schemeClr val="tx2"/>
+                </a:solidFill>
+                <a:latin typeface="宋体" panose="02010600030101010101" pitchFamily="2" charset="-122"/>
+                <a:ea typeface="宋体" panose="02010600030101010101" pitchFamily="2" charset="-122"/>
+              </a:rPr>
+              <a:t>），</a:t>
+            </a:r>
+            <a:r>
+              <a:rPr lang="zh-CN" altLang="en-US" sz="2000" dirty="0" smtClean="0">
+                <a:solidFill>
+                  <a:schemeClr val="tx2"/>
+                </a:solidFill>
+                <a:latin typeface="宋体" panose="02010600030101010101" pitchFamily="2" charset="-122"/>
+                <a:ea typeface="宋体" panose="02010600030101010101" pitchFamily="2" charset="-122"/>
+              </a:rPr>
+              <a:t>并通过两个不同的实验分别使用多种时频</a:t>
+            </a:r>
+            <a:r>
+              <a:rPr lang="zh-CN" altLang="en-US" sz="2000" dirty="0">
+                <a:solidFill>
+                  <a:schemeClr val="tx2"/>
+                </a:solidFill>
+                <a:latin typeface="宋体" panose="02010600030101010101" pitchFamily="2" charset="-122"/>
+                <a:ea typeface="宋体" panose="02010600030101010101" pitchFamily="2" charset="-122"/>
+              </a:rPr>
+              <a:t>分析</a:t>
+            </a:r>
+            <a:r>
+              <a:rPr lang="zh-CN" altLang="en-US" sz="2000" dirty="0" smtClean="0">
+                <a:solidFill>
+                  <a:schemeClr val="tx2"/>
+                </a:solidFill>
+                <a:latin typeface="宋体" panose="02010600030101010101" pitchFamily="2" charset="-122"/>
+                <a:ea typeface="宋体" panose="02010600030101010101" pitchFamily="2" charset="-122"/>
+              </a:rPr>
+              <a:t>技术（效果都大于</a:t>
+            </a:r>
+            <a:r>
+              <a:rPr lang="en-US" altLang="zh-CN" sz="2000" dirty="0" smtClean="0">
+                <a:solidFill>
+                  <a:schemeClr val="tx2"/>
+                </a:solidFill>
+                <a:latin typeface="宋体" panose="02010600030101010101" pitchFamily="2" charset="-122"/>
+                <a:ea typeface="宋体" panose="02010600030101010101" pitchFamily="2" charset="-122"/>
+              </a:rPr>
+              <a:t>90%</a:t>
+            </a:r>
+            <a:r>
+              <a:rPr lang="zh-CN" altLang="en-US" sz="2000" dirty="0" smtClean="0">
+                <a:solidFill>
+                  <a:schemeClr val="tx2"/>
+                </a:solidFill>
+                <a:latin typeface="宋体" panose="02010600030101010101" pitchFamily="2" charset="-122"/>
+                <a:ea typeface="宋体" panose="02010600030101010101" pitchFamily="2" charset="-122"/>
+              </a:rPr>
+              <a:t>），</a:t>
+            </a:r>
+            <a:r>
+              <a:rPr lang="zh-CN" altLang="en-US" sz="2000" dirty="0">
+                <a:solidFill>
+                  <a:schemeClr val="tx2"/>
+                </a:solidFill>
+                <a:latin typeface="宋体" panose="02010600030101010101" pitchFamily="2" charset="-122"/>
+                <a:ea typeface="宋体" panose="02010600030101010101" pitchFamily="2" charset="-122"/>
+              </a:rPr>
+              <a:t>证明了迁移模型的泛化能力的</a:t>
+            </a:r>
+            <a:r>
+              <a:rPr lang="zh-CN" altLang="en-US" sz="2000" dirty="0" smtClean="0">
+                <a:solidFill>
+                  <a:schemeClr val="tx2"/>
+                </a:solidFill>
+                <a:latin typeface="宋体" panose="02010600030101010101" pitchFamily="2" charset="-122"/>
+                <a:ea typeface="宋体" panose="02010600030101010101" pitchFamily="2" charset="-122"/>
+              </a:rPr>
+              <a:t>强大；使用</a:t>
+            </a:r>
+            <a:r>
+              <a:rPr lang="en-US" altLang="zh-CN" sz="2000" dirty="0" smtClean="0">
+                <a:solidFill>
+                  <a:schemeClr val="tx2"/>
+                </a:solidFill>
+                <a:latin typeface="宋体" panose="02010600030101010101" pitchFamily="2" charset="-122"/>
+                <a:ea typeface="宋体" panose="02010600030101010101" pitchFamily="2" charset="-122"/>
+              </a:rPr>
+              <a:t>t-SNE</a:t>
+            </a:r>
+            <a:r>
+              <a:rPr lang="zh-CN" altLang="en-US" sz="2000" dirty="0" smtClean="0">
+                <a:solidFill>
+                  <a:schemeClr val="tx2"/>
+                </a:solidFill>
+                <a:latin typeface="宋体" panose="02010600030101010101" pitchFamily="2" charset="-122"/>
+                <a:ea typeface="宋体" panose="02010600030101010101" pitchFamily="2" charset="-122"/>
+              </a:rPr>
+              <a:t>可视化技术，分析了模型学习的过程。</a:t>
+            </a:r>
+            <a:r>
+              <a:rPr lang="en-US" altLang="zh-CN" sz="2000" dirty="0">
+                <a:solidFill>
+                  <a:schemeClr val="tx2"/>
+                </a:solidFill>
+                <a:latin typeface="宋体" panose="02010600030101010101" pitchFamily="2" charset="-122"/>
+                <a:ea typeface="宋体" panose="02010600030101010101" pitchFamily="2" charset="-122"/>
+              </a:rPr>
+              <a:t/>
+            </a:r>
+            <a:br>
+              <a:rPr lang="en-US" altLang="zh-CN" sz="2000" dirty="0">
+                <a:solidFill>
+                  <a:schemeClr val="tx2"/>
+                </a:solidFill>
+                <a:latin typeface="宋体" panose="02010600030101010101" pitchFamily="2" charset="-122"/>
+                <a:ea typeface="宋体" panose="02010600030101010101" pitchFamily="2" charset="-122"/>
+              </a:rPr>
+            </a:br>
+            <a:r>
+              <a:rPr lang="en-US" altLang="zh-CN" sz="2000" dirty="0" smtClean="0">
+                <a:solidFill>
+                  <a:schemeClr val="tx2"/>
+                </a:solidFill>
+                <a:latin typeface="宋体" panose="02010600030101010101" pitchFamily="2" charset="-122"/>
+                <a:ea typeface="宋体" panose="02010600030101010101" pitchFamily="2" charset="-122"/>
+              </a:rPr>
+              <a:t/>
+            </a:r>
+            <a:br>
+              <a:rPr lang="en-US" altLang="zh-CN" sz="2000" dirty="0" smtClean="0">
+                <a:solidFill>
+                  <a:schemeClr val="tx2"/>
+                </a:solidFill>
+                <a:latin typeface="宋体" panose="02010600030101010101" pitchFamily="2" charset="-122"/>
+                <a:ea typeface="宋体" panose="02010600030101010101" pitchFamily="2" charset="-122"/>
+              </a:rPr>
+            </a:br>
+            <a:r>
+              <a:rPr lang="en-US" altLang="zh-CN" sz="2000" dirty="0" smtClean="0">
+                <a:solidFill>
+                  <a:schemeClr val="tx2"/>
+                </a:solidFill>
+                <a:latin typeface="宋体" panose="02010600030101010101" pitchFamily="2" charset="-122"/>
+                <a:ea typeface="宋体" panose="02010600030101010101" pitchFamily="2" charset="-122"/>
+              </a:rPr>
+              <a:t/>
+            </a:r>
+            <a:br>
+              <a:rPr lang="en-US" altLang="zh-CN" sz="2000" dirty="0" smtClean="0">
+                <a:solidFill>
+                  <a:schemeClr val="tx2"/>
+                </a:solidFill>
+                <a:latin typeface="宋体" panose="02010600030101010101" pitchFamily="2" charset="-122"/>
+                <a:ea typeface="宋体" panose="02010600030101010101" pitchFamily="2" charset="-122"/>
+              </a:rPr>
+            </a:br>
+            <a:r>
+              <a:rPr lang="zh-CN" altLang="en-US" sz="2000" dirty="0" smtClean="0">
+                <a:solidFill>
+                  <a:schemeClr val="tx2"/>
+                </a:solidFill>
+                <a:latin typeface="宋体" panose="02010600030101010101" pitchFamily="2" charset="-122"/>
+                <a:ea typeface="宋体" panose="02010600030101010101" pitchFamily="2" charset="-122"/>
+              </a:rPr>
+              <a:t>不足：将时域信号通过时频分析技术转为时频图像，是需要一定的专家知识和先验知识的，同时，这是否会破坏振动信号的物理意义；虽然迁移学习可以极大地较少训练的时间，但是迁移的模型选择是很重要的，</a:t>
+            </a:r>
+            <a:r>
+              <a:rPr lang="en-US" altLang="zh-CN" sz="2000" dirty="0" err="1" smtClean="0">
+                <a:solidFill>
+                  <a:schemeClr val="tx2"/>
+                </a:solidFill>
+                <a:latin typeface="宋体" panose="02010600030101010101" pitchFamily="2" charset="-122"/>
+                <a:ea typeface="宋体" panose="02010600030101010101" pitchFamily="2" charset="-122"/>
+              </a:rPr>
+              <a:t>Alexnet</a:t>
+            </a:r>
+            <a:r>
+              <a:rPr lang="zh-CN" altLang="en-US" sz="2000" dirty="0">
+                <a:solidFill>
+                  <a:schemeClr val="tx2"/>
+                </a:solidFill>
+                <a:latin typeface="宋体" panose="02010600030101010101" pitchFamily="2" charset="-122"/>
+                <a:ea typeface="宋体" panose="02010600030101010101" pitchFamily="2" charset="-122"/>
+              </a:rPr>
+              <a:t>也</a:t>
+            </a:r>
+            <a:r>
+              <a:rPr lang="zh-CN" altLang="en-US" sz="2000" dirty="0" smtClean="0">
+                <a:solidFill>
+                  <a:schemeClr val="tx2"/>
+                </a:solidFill>
+                <a:latin typeface="宋体" panose="02010600030101010101" pitchFamily="2" charset="-122"/>
+                <a:ea typeface="宋体" panose="02010600030101010101" pitchFamily="2" charset="-122"/>
+              </a:rPr>
+              <a:t>在不断地被</a:t>
+            </a:r>
+            <a:r>
+              <a:rPr lang="zh-CN" altLang="en-US" sz="2000" dirty="0" smtClean="0">
+                <a:solidFill>
+                  <a:schemeClr val="tx2"/>
+                </a:solidFill>
+                <a:latin typeface="宋体" panose="02010600030101010101" pitchFamily="2" charset="-122"/>
+                <a:ea typeface="宋体" panose="02010600030101010101" pitchFamily="2" charset="-122"/>
+              </a:rPr>
+              <a:t>改进；</a:t>
+            </a:r>
+            <a:r>
+              <a:rPr lang="en-US" altLang="zh-CN" sz="2000" dirty="0" err="1" smtClean="0">
+                <a:solidFill>
+                  <a:schemeClr val="tx2"/>
+                </a:solidFill>
+                <a:latin typeface="宋体" panose="02010600030101010101" pitchFamily="2" charset="-122"/>
+                <a:ea typeface="宋体" panose="02010600030101010101" pitchFamily="2" charset="-122"/>
+              </a:rPr>
+              <a:t>Alexnet</a:t>
+            </a:r>
+            <a:r>
+              <a:rPr lang="zh-CN" altLang="en-US" sz="2000" dirty="0" smtClean="0">
+                <a:solidFill>
+                  <a:schemeClr val="tx2"/>
+                </a:solidFill>
+                <a:latin typeface="宋体" panose="02010600030101010101" pitchFamily="2" charset="-122"/>
+                <a:ea typeface="宋体" panose="02010600030101010101" pitchFamily="2" charset="-122"/>
+              </a:rPr>
+              <a:t>将输入的图像限制为</a:t>
+            </a:r>
+            <a:r>
+              <a:rPr lang="en-US" altLang="zh-CN" sz="2000" dirty="0" smtClean="0">
+                <a:solidFill>
+                  <a:schemeClr val="tx2"/>
+                </a:solidFill>
+                <a:latin typeface="宋体" panose="02010600030101010101" pitchFamily="2" charset="-122"/>
+                <a:ea typeface="宋体" panose="02010600030101010101" pitchFamily="2" charset="-122"/>
+              </a:rPr>
+              <a:t>224*224*3,</a:t>
+            </a:r>
+            <a:r>
+              <a:rPr lang="zh-CN" altLang="en-US" sz="2000" dirty="0" smtClean="0">
+                <a:solidFill>
+                  <a:schemeClr val="tx2"/>
+                </a:solidFill>
+                <a:latin typeface="宋体" panose="02010600030101010101" pitchFamily="2" charset="-122"/>
+                <a:ea typeface="宋体" panose="02010600030101010101" pitchFamily="2" charset="-122"/>
+              </a:rPr>
+              <a:t>，不支持不同尺寸的图像。</a:t>
+            </a:r>
+            <a:endParaRPr lang="zh-CN" altLang="en-US" sz="2000" dirty="0">
+              <a:solidFill>
+                <a:schemeClr val="tx2"/>
+              </a:solidFill>
+              <a:latin typeface="宋体" panose="02010600030101010101" pitchFamily="2" charset="-122"/>
+              <a:ea typeface="宋体" panose="02010600030101010101" pitchFamily="2" charset="-122"/>
+            </a:endParaRPr>
+          </a:p>
+        </p:txBody>
+      </p:sp>
+    </p:spTree>
+    <p:extLst>
+      <p:ext uri="{BB962C8B-B14F-4D97-AF65-F5344CB8AC3E}">
+        <p14:creationId xmlns:p14="http://schemas.microsoft.com/office/powerpoint/2010/main" val="3668299475"/>
+      </p:ext>
+    </p:extLst>
+  </p:cSld>
+  <p:clrMapOvr>
+    <a:masterClrMapping/>
+  </p:clrMapOvr>
+  <p:timing>
+    <p:tnLst>
+      <p:par>
+        <p:cTn id="1" dur="indefinite" restart="never" nodeType="tmRoot"/>
+      </p:par>
+    </p:tnLst>
+  </p:timing>
+</p:sld>
+</file>
+
 <file path=ppt/slides/slide2.xml><?xml version="1.0" encoding="utf-8"?>
 <p:sld xmlns:a="http://schemas.openxmlformats.org/drawingml/2006/main" xmlns:r="http://schemas.openxmlformats.org/officeDocument/2006/relationships" xmlns:p="http://schemas.openxmlformats.org/presentationml/2006/main">
   <p:cSld>
@@ -9561,7 +10637,17 @@
                 <a:latin typeface="宋体" panose="02010600030101010101" pitchFamily="2" charset="-122"/>
                 <a:ea typeface="宋体" panose="02010600030101010101" pitchFamily="2" charset="-122"/>
               </a:rPr>
-              <a:t>不足：</a:t>
+              <a:t>不足：模型</a:t>
+            </a:r>
+            <a:r>
+              <a:rPr lang="zh-CN" altLang="en-US" sz="1800" dirty="0">
+                <a:solidFill>
+                  <a:schemeClr val="tx2"/>
+                </a:solidFill>
+                <a:latin typeface="宋体" panose="02010600030101010101" pitchFamily="2" charset="-122"/>
+                <a:ea typeface="宋体" panose="02010600030101010101" pitchFamily="2" charset="-122"/>
+              </a:rPr>
+              <a:t>预测</a:t>
             </a:r>
             <a:r>
               <a:rPr lang="zh-CN" altLang="en-US" sz="1800" dirty="0" smtClean="0">
@@ -9571,37 +10657,7 @@
                 <a:latin typeface="宋体" panose="02010600030101010101" pitchFamily="2" charset="-122"/>
                 <a:ea typeface="宋体" panose="02010600030101010101" pitchFamily="2" charset="-122"/>
               </a:rPr>
-              <a:t>模型</a:t>
-            </a:r>
-            <a:r>
-              <a:rPr lang="zh-CN" altLang="en-US" sz="1800" dirty="0">
-                <a:solidFill>
-                  <a:schemeClr val="tx2"/>
-                </a:solidFill>
-                <a:latin typeface="宋体" panose="02010600030101010101" pitchFamily="2" charset="-122"/>
-                <a:ea typeface="宋体" panose="02010600030101010101" pitchFamily="2" charset="-122"/>
-              </a:rPr>
-              <a:t>预测</a:t>
-            </a:r>
-            <a:r>
-              <a:rPr lang="zh-CN" altLang="en-US" sz="1800" dirty="0" smtClean="0">
-                <a:solidFill>
-                  <a:schemeClr val="tx2"/>
-                </a:solidFill>
-                <a:latin typeface="宋体" panose="02010600030101010101" pitchFamily="2" charset="-122"/>
-                <a:ea typeface="宋体" panose="02010600030101010101" pitchFamily="2" charset="-122"/>
-              </a:rPr>
-              <a:t>的</a:t>
-            </a:r>
-            <a:r>
-              <a:rPr lang="zh-CN" altLang="en-US" sz="1800" dirty="0" smtClean="0">
-                <a:solidFill>
-                  <a:schemeClr val="tx2"/>
-                </a:solidFill>
-                <a:latin typeface="宋体" panose="02010600030101010101" pitchFamily="2" charset="-122"/>
-                <a:ea typeface="宋体" panose="02010600030101010101" pitchFamily="2" charset="-122"/>
-              </a:rPr>
-              <a:t>任务是一个二分类任务，即诊断轴承是否发生故障，而</a:t>
+              <a:t>的任务是一个二分类任务，即诊断轴承是否发生故障，而</a:t>
             </a:r>
             <a:r>
               <a:rPr lang="zh-CN" altLang="en-US" sz="1800" dirty="0">
@@ -10264,7 +11320,7 @@
           <a:p>
             <a:pPr algn="l"/>
             <a:r>
-              <a:rPr lang="en-US" altLang="zh-CN" sz="1800" dirty="0">
+              <a:rPr lang="en-US" altLang="zh-CN" sz="2000" dirty="0">
                 <a:solidFill>
                   <a:schemeClr val="tx2"/>
                 </a:solidFill>
@@ -10274,7 +11330,7 @@
               <a:t>CNN</a:t>
             </a:r>
             <a:r>
-              <a:rPr lang="zh-CN" altLang="en-US" sz="1800" dirty="0">
+              <a:rPr lang="zh-CN" altLang="en-US" sz="2000" dirty="0">
                 <a:solidFill>
                   <a:schemeClr val="tx2"/>
                 </a:solidFill>
@@ -10284,7 +11340,7 @@
               <a:t>模型被证明在图像识别领域十分优秀，所以作者</a:t>
             </a:r>
             <a:r>
-              <a:rPr lang="zh-CN" altLang="en-US" sz="1800" dirty="0" smtClean="0">
+              <a:rPr lang="zh-CN" altLang="en-US" sz="2000" dirty="0" smtClean="0">
                 <a:solidFill>
                   <a:schemeClr val="tx2"/>
                 </a:solidFill>
@@ -10294,7 +11350,7 @@
               <a:t>使用了</a:t>
             </a:r>
             <a:r>
-              <a:rPr lang="en-US" altLang="zh-CN" sz="1800" dirty="0" smtClean="0">
+              <a:rPr lang="en-US" altLang="zh-CN" sz="2000" dirty="0" smtClean="0">
                 <a:solidFill>
                   <a:schemeClr val="tx2"/>
                 </a:solidFill>
@@ -10304,7 +11360,7 @@
               <a:t>CNN</a:t>
             </a:r>
             <a:r>
-              <a:rPr lang="zh-CN" altLang="en-US" sz="1800" dirty="0" smtClean="0">
+              <a:rPr lang="zh-CN" altLang="en-US" sz="2000" dirty="0" smtClean="0">
                 <a:solidFill>
                   <a:schemeClr val="tx2"/>
                 </a:solidFill>
@@ -10314,7 +11370,7 @@
               <a:t>模型，在</a:t>
             </a:r>
             <a:r>
-              <a:rPr lang="en-US" altLang="zh-CN" sz="1800" dirty="0" smtClean="0">
+              <a:rPr lang="en-US" altLang="zh-CN" sz="2000" dirty="0" smtClean="0">
                 <a:solidFill>
                   <a:schemeClr val="tx2"/>
                 </a:solidFill>
@@ -10324,7 +11380,7 @@
               <a:t>CWRU</a:t>
             </a:r>
             <a:r>
-              <a:rPr lang="zh-CN" altLang="en-US" sz="1800" dirty="0" smtClean="0">
+              <a:rPr lang="zh-CN" altLang="en-US" sz="2000" dirty="0" smtClean="0">
                 <a:solidFill>
                   <a:schemeClr val="tx2"/>
                 </a:solidFill>
@@ -10334,7 +11390,7 @@
               <a:t>的</a:t>
             </a:r>
             <a:r>
-              <a:rPr lang="zh-CN" altLang="en-US" sz="1800" dirty="0">
+              <a:rPr lang="zh-CN" altLang="en-US" sz="2000" dirty="0">
                 <a:solidFill>
                   <a:schemeClr val="tx2"/>
                 </a:solidFill>
@@ -10344,7 +11400,7 @@
               <a:t>三</a:t>
             </a:r>
             <a:r>
-              <a:rPr lang="zh-CN" altLang="en-US" sz="1800" dirty="0" smtClean="0">
+              <a:rPr lang="zh-CN" altLang="en-US" sz="2000" dirty="0" smtClean="0">
                 <a:solidFill>
                   <a:schemeClr val="tx2"/>
                 </a:solidFill>
@@ -10354,7 +11410,7 @@
               <a:t>种故障数据 </a:t>
             </a:r>
             <a:r>
-              <a:rPr lang="en-US" altLang="zh-CN" sz="1800" dirty="0" smtClean="0">
+              <a:rPr lang="en-US" altLang="zh-CN" sz="2000" dirty="0" smtClean="0">
                 <a:solidFill>
                   <a:schemeClr val="tx2"/>
                 </a:solidFill>
@@ -10364,7 +11420,7 @@
               <a:t>+ </a:t>
             </a:r>
             <a:r>
-              <a:rPr lang="zh-CN" altLang="en-US" sz="1800" dirty="0" smtClean="0">
+              <a:rPr lang="zh-CN" altLang="en-US" sz="2000" dirty="0" smtClean="0">
                 <a:solidFill>
                   <a:schemeClr val="tx2"/>
                 </a:solidFill>
@@ -10374,7 +11430,7 @@
               <a:t>一种正常数据中进行了实验，并且实验的结果召回率、精确度、特异性等等都达到了</a:t>
             </a:r>
             <a:r>
-              <a:rPr lang="en-US" altLang="zh-CN" sz="1800" dirty="0" smtClean="0">
+              <a:rPr lang="en-US" altLang="zh-CN" sz="2000" dirty="0" smtClean="0">
                 <a:solidFill>
                   <a:schemeClr val="tx2"/>
                 </a:solidFill>
@@ -10384,7 +11440,7 @@
               <a:t>100%</a:t>
             </a:r>
             <a:r>
-              <a:rPr lang="zh-CN" altLang="en-US" sz="1800" dirty="0" smtClean="0">
+              <a:rPr lang="zh-CN" altLang="en-US" sz="2000" dirty="0" smtClean="0">
                 <a:solidFill>
                   <a:schemeClr val="tx2"/>
                 </a:solidFill>
@@ -10394,7 +11450,7 @@
               <a:t>。</a:t>
             </a:r>
             <a:r>
-              <a:rPr lang="en-US" altLang="zh-CN" sz="1800" dirty="0" smtClean="0">
+              <a:rPr lang="en-US" altLang="zh-CN" sz="2000" dirty="0" smtClean="0">
                 <a:solidFill>
                   <a:schemeClr val="tx2"/>
                 </a:solidFill>
@@ -10404,7 +11460,7 @@
               <a:t/>
             </a:r>
             <a:br>
-              <a:rPr lang="en-US" altLang="zh-CN" sz="1800" dirty="0" smtClean="0">
+              <a:rPr lang="en-US" altLang="zh-CN" sz="2000" dirty="0" smtClean="0">
                 <a:solidFill>
                   <a:schemeClr val="tx2"/>
                 </a:solidFill>
@@ -10413,7 +11469,7 @@
               </a:rPr>
             </a:br>
             <a:r>
-              <a:rPr lang="en-US" altLang="zh-CN" sz="1800" dirty="0">
+              <a:rPr lang="en-US" altLang="zh-CN" sz="2000" dirty="0">
                 <a:solidFill>
                   <a:schemeClr val="tx2"/>
                 </a:solidFill>
@@ -10423,7 +11479,7 @@
               <a:t/>
             </a:r>
             <a:br>
-              <a:rPr lang="en-US" altLang="zh-CN" sz="1800" dirty="0">
+              <a:rPr lang="en-US" altLang="zh-CN" sz="2000" dirty="0">
                 <a:solidFill>
                   <a:schemeClr val="tx2"/>
                 </a:solidFill>
@@ -10432,7 +11488,7 @@
               </a:rPr>
             </a:br>
             <a:r>
-              <a:rPr lang="en-US" altLang="zh-CN" sz="1800" dirty="0" smtClean="0">
+              <a:rPr lang="en-US" altLang="zh-CN" sz="2000" dirty="0" smtClean="0">
                 <a:solidFill>
                   <a:schemeClr val="tx2"/>
                 </a:solidFill>
@@ -10442,7 +11498,7 @@
               <a:t/>
             </a:r>
             <a:br>
-              <a:rPr lang="en-US" altLang="zh-CN" sz="1800" dirty="0" smtClean="0">
+              <a:rPr lang="en-US" altLang="zh-CN" sz="2000" dirty="0" smtClean="0">
                 <a:solidFill>
                   <a:schemeClr val="tx2"/>
                 </a:solidFill>
@@ -10451,7 +11507,7 @@
               </a:rPr>
             </a:br>
             <a:r>
-              <a:rPr lang="zh-CN" altLang="en-US" sz="1800" dirty="0" smtClean="0">
+              <a:rPr lang="zh-CN" altLang="en-US" sz="2000" dirty="0" smtClean="0">
                 <a:solidFill>
                   <a:schemeClr val="tx2"/>
                 </a:solidFill>
@@ -10461,7 +11517,7 @@
               <a:t>作者的贡献：这是和</a:t>
             </a:r>
             <a:r>
-              <a:rPr lang="en-US" altLang="zh-CN" sz="1800" dirty="0" smtClean="0">
+              <a:rPr lang="en-US" altLang="zh-CN" sz="2000" dirty="0" smtClean="0">
                 <a:solidFill>
                   <a:schemeClr val="tx2"/>
                 </a:solidFill>
@@ -10471,7 +11527,7 @@
               <a:t>PPT</a:t>
             </a:r>
             <a:r>
-              <a:rPr lang="zh-CN" altLang="en-US" sz="1800" dirty="0" smtClean="0">
+              <a:rPr lang="zh-CN" altLang="en-US" sz="2000" dirty="0" smtClean="0">
                 <a:solidFill>
                   <a:schemeClr val="tx2"/>
                 </a:solidFill>
@@ -10481,7 +11537,7 @@
               <a:t>第三页</a:t>
             </a:r>
             <a:r>
-              <a:rPr lang="en-US" altLang="zh-CN" sz="1800" dirty="0">
+              <a:rPr lang="en-US" altLang="zh-CN" sz="2000" dirty="0">
                 <a:solidFill>
                   <a:schemeClr val="tx2"/>
                 </a:solidFill>
@@ -10489,7 +11545,7 @@
               <a:t>Rolling element bearing fault diagnosis using convolutional neural network and vibration </a:t>
             </a:r>
             <a:r>
-              <a:rPr lang="en-US" altLang="zh-CN" sz="1800" dirty="0" smtClean="0">
+              <a:rPr lang="en-US" altLang="zh-CN" sz="2000" dirty="0" smtClean="0">
                 <a:solidFill>
                   <a:schemeClr val="tx2"/>
                 </a:solidFill>
@@ -10497,7 +11553,7 @@
               <a:t>image</a:t>
             </a:r>
             <a:r>
-              <a:rPr lang="zh-CN" altLang="en-US" sz="1800" dirty="0" smtClean="0">
+              <a:rPr lang="zh-CN" altLang="en-US" sz="2000" dirty="0" smtClean="0">
                 <a:solidFill>
                   <a:schemeClr val="tx2"/>
                 </a:solidFill>
@@ -10507,7 +11563,7 @@
               <a:t>论文一样的思想，都是通过将初始振动信号数据转为二维的图像数据，然后使用</a:t>
             </a:r>
             <a:r>
-              <a:rPr lang="en-US" altLang="zh-CN" sz="1800" dirty="0" smtClean="0">
+              <a:rPr lang="en-US" altLang="zh-CN" sz="2000" dirty="0" smtClean="0">
                 <a:solidFill>
                   <a:schemeClr val="tx2"/>
                 </a:solidFill>
@@ -10517,7 +11573,7 @@
               <a:t>CNN</a:t>
             </a:r>
             <a:r>
-              <a:rPr lang="zh-CN" altLang="en-US" sz="1800" dirty="0" smtClean="0">
+              <a:rPr lang="zh-CN" altLang="en-US" sz="2000" dirty="0" smtClean="0">
                 <a:solidFill>
                   <a:schemeClr val="tx2"/>
                 </a:solidFill>
@@ -10527,7 +11583,7 @@
               <a:t>模型，但是此篇论文将初始振动信号数据转图像的形式更加的“暴力”，它是直接使用</a:t>
             </a:r>
             <a:r>
-              <a:rPr lang="en-US" altLang="zh-CN" sz="1800" dirty="0" err="1" smtClean="0">
+              <a:rPr lang="en-US" altLang="zh-CN" sz="2000" dirty="0" err="1" smtClean="0">
                 <a:solidFill>
                   <a:schemeClr val="tx2"/>
                 </a:solidFill>
@@ -10537,7 +11593,7 @@
               <a:t>matlib</a:t>
             </a:r>
             <a:r>
-              <a:rPr lang="zh-CN" altLang="en-US" sz="1800" dirty="0" smtClean="0">
+              <a:rPr lang="zh-CN" altLang="en-US" sz="2000" dirty="0" smtClean="0">
                 <a:solidFill>
                   <a:schemeClr val="tx2"/>
                 </a:solidFill>
@@ -10547,7 +11603,7 @@
               <a:t>画出图像，然后对图像进行分割，来创建图片训练库，并且训练的</a:t>
             </a:r>
             <a:r>
-              <a:rPr lang="en-US" altLang="zh-CN" sz="1800" dirty="0" smtClean="0">
+              <a:rPr lang="en-US" altLang="zh-CN" sz="2000" dirty="0" smtClean="0">
                 <a:solidFill>
                   <a:schemeClr val="tx2"/>
                 </a:solidFill>
@@ -10557,7 +11613,7 @@
               <a:t>CNN</a:t>
             </a:r>
             <a:r>
-              <a:rPr lang="zh-CN" altLang="en-US" sz="1800" dirty="0" smtClean="0">
+              <a:rPr lang="zh-CN" altLang="en-US" sz="2000" dirty="0" smtClean="0">
                 <a:solidFill>
                   <a:schemeClr val="tx2"/>
                 </a:solidFill>
@@ -10567,7 +11623,7 @@
               <a:t>模型十分优秀。</a:t>
             </a:r>
             <a:r>
-              <a:rPr lang="en-US" altLang="zh-CN" sz="1800" dirty="0" smtClean="0">
+              <a:rPr lang="en-US" altLang="zh-CN" sz="2000" dirty="0" smtClean="0">
                 <a:solidFill>
                   <a:schemeClr val="tx2"/>
                 </a:solidFill>
@@ -10577,7 +11633,7 @@
               <a:t/>
             </a:r>
             <a:br>
-              <a:rPr lang="en-US" altLang="zh-CN" sz="1800" dirty="0" smtClean="0">
+              <a:rPr lang="en-US" altLang="zh-CN" sz="2000" dirty="0" smtClean="0">
                 <a:solidFill>
                   <a:schemeClr val="tx2"/>
                 </a:solidFill>
@@ -10586,7 +11642,7 @@
               </a:rPr>
             </a:br>
             <a:r>
-              <a:rPr lang="en-US" altLang="zh-CN" sz="1800" dirty="0" smtClean="0">
+              <a:rPr lang="en-US" altLang="zh-CN" sz="2000" dirty="0" smtClean="0">
                 <a:solidFill>
                   <a:schemeClr val="tx2"/>
                 </a:solidFill>
@@ -10596,7 +11652,7 @@
               <a:t/>
             </a:r>
             <a:br>
-              <a:rPr lang="en-US" altLang="zh-CN" sz="1800" dirty="0" smtClean="0">
+              <a:rPr lang="en-US" altLang="zh-CN" sz="2000" dirty="0" smtClean="0">
                 <a:solidFill>
                   <a:schemeClr val="tx2"/>
                 </a:solidFill>
@@ -10605,7 +11661,7 @@
               </a:rPr>
             </a:br>
             <a:r>
-              <a:rPr lang="en-US" altLang="zh-CN" sz="1800" dirty="0" smtClean="0">
+              <a:rPr lang="en-US" altLang="zh-CN" sz="2000" dirty="0">
                 <a:solidFill>
                   <a:schemeClr val="tx2"/>
                 </a:solidFill>
@@ -10615,7 +11671,7 @@
               <a:t/>
             </a:r>
             <a:br>
-              <a:rPr lang="en-US" altLang="zh-CN" sz="1800" dirty="0" smtClean="0">
+              <a:rPr lang="en-US" altLang="zh-CN" sz="2000" dirty="0">
                 <a:solidFill>
                   <a:schemeClr val="tx2"/>
                 </a:solidFill>
@@ -10624,45 +11680,7 @@
               </a:rPr>
             </a:br>
             <a:r>
-              <a:rPr lang="en-US" altLang="zh-CN" sz="1800" dirty="0" smtClean="0">
-                <a:solidFill>
-                  <a:schemeClr val="tx2"/>
-                </a:solidFill>
-                <a:latin typeface="宋体" panose="02010600030101010101" pitchFamily="2" charset="-122"/>
-                <a:ea typeface="宋体" panose="02010600030101010101" pitchFamily="2" charset="-122"/>
-              </a:rPr>
-              <a:t/>
-            </a:r>
-            <a:br>
-              <a:rPr lang="en-US" altLang="zh-CN" sz="1800" dirty="0" smtClean="0">
-                <a:solidFill>
-                  <a:schemeClr val="tx2"/>
-                </a:solidFill>
-                <a:latin typeface="宋体" panose="02010600030101010101" pitchFamily="2" charset="-122"/>
-                <a:ea typeface="宋体" panose="02010600030101010101" pitchFamily="2" charset="-122"/>
-              </a:rPr>
-            </a:br>
-            <a:r>
-              <a:rPr lang="en-US" altLang="zh-CN" sz="1800" dirty="0">
-                <a:solidFill>
-                  <a:schemeClr val="tx2"/>
-                </a:solidFill>
-                <a:latin typeface="宋体" panose="02010600030101010101" pitchFamily="2" charset="-122"/>
-                <a:ea typeface="宋体" panose="02010600030101010101" pitchFamily="2" charset="-122"/>
-              </a:rPr>
-              <a:t/>
-            </a:r>
-            <a:br>
-              <a:rPr lang="en-US" altLang="zh-CN" sz="1800" dirty="0">
-                <a:solidFill>
-                  <a:schemeClr val="tx2"/>
-                </a:solidFill>
-                <a:latin typeface="宋体" panose="02010600030101010101" pitchFamily="2" charset="-122"/>
-                <a:ea typeface="宋体" panose="02010600030101010101" pitchFamily="2" charset="-122"/>
-              </a:rPr>
-            </a:br>
-            <a:r>
-              <a:rPr lang="zh-CN" altLang="en-US" sz="1800" dirty="0" smtClean="0">
+              <a:rPr lang="zh-CN" altLang="en-US" sz="2000" dirty="0" smtClean="0">
                 <a:solidFill>
                   <a:schemeClr val="tx2"/>
                 </a:solidFill>
@@ -10672,7 +11690,7 @@
               <a:t>不足：将初始的振动信号数据，利用</a:t>
             </a:r>
             <a:r>
-              <a:rPr lang="en-US" altLang="zh-CN" sz="1800" dirty="0" err="1" smtClean="0">
+              <a:rPr lang="en-US" altLang="zh-CN" sz="2000" dirty="0" err="1" smtClean="0">
                 <a:solidFill>
                   <a:schemeClr val="tx2"/>
                 </a:solidFill>
@@ -10682,7 +11700,7 @@
               <a:t>matlib</a:t>
             </a:r>
             <a:r>
-              <a:rPr lang="zh-CN" altLang="en-US" sz="1800" dirty="0" smtClean="0">
+              <a:rPr lang="zh-CN" altLang="en-US" sz="2000" dirty="0" smtClean="0">
                 <a:solidFill>
                   <a:schemeClr val="tx2"/>
                 </a:solidFill>
@@ -10691,7 +11709,7 @@
               </a:rPr>
               <a:t>画出图像，然后对图像进行分割来创建图片训练库，是否会破坏初始振动信号数据的原始意义，使用分割的图像进行训练是否是可解释的？虽然它的准确率很高。</a:t>
             </a:r>
-            <a:endParaRPr lang="zh-CN" altLang="en-US" sz="1800" dirty="0">
+            <a:endParaRPr lang="zh-CN" altLang="en-US" sz="2000" dirty="0">
               <a:solidFill>
                 <a:schemeClr val="tx2"/>
               </a:solidFill>
